--- a/Notebooks/UnSupervised_Learning/Unsupervised learning.pptx
+++ b/Notebooks/UnSupervised_Learning/Unsupervised learning.pptx
@@ -217,7 +217,7 @@
           <a:p>
             <a:fld id="{8692B324-BCF7-4E3A-9C23-FA1C05C0B85F}" type="datetimeFigureOut">
               <a:rPr lang="en-US" smtClean="0"/>
-              <a:t>8/29/2020</a:t>
+              <a:t>10/20/2020</a:t>
             </a:fld>
             <a:endParaRPr lang="en-US"/>
           </a:p>
@@ -623,13 +623,7 @@
               <a:rPr lang="en-US" dirty="0" smtClean="0">
                 <a:hlinkClick r:id="rId3"/>
               </a:rPr>
-              <a:t>https://</a:t>
-            </a:r>
-            <a:r>
-              <a:rPr lang="en-US" dirty="0" smtClean="0">
-                <a:hlinkClick r:id="rId3"/>
-              </a:rPr>
-              <a:t>towardsdatascience.com/a-one-stop-shop-for-principal-component-analysis-5582fb7e0a9c</a:t>
+              <a:t>https://towardsdatascience.com/a-one-stop-shop-for-principal-component-analysis-5582fb7e0a9c</a:t>
             </a:r>
             <a:endParaRPr lang="en-US" dirty="0" smtClean="0"/>
           </a:p>
@@ -2220,7 +2214,7 @@
           <a:p>
             <a:fld id="{F30E232F-A27E-4480-A35A-B196C7FAF203}" type="datetimeFigureOut">
               <a:rPr lang="en-US" smtClean="0"/>
-              <a:t>8/29/2020</a:t>
+              <a:t>10/20/2020</a:t>
             </a:fld>
             <a:endParaRPr lang="en-US"/>
           </a:p>
@@ -2495,7 +2489,7 @@
           <a:p>
             <a:fld id="{F30E232F-A27E-4480-A35A-B196C7FAF203}" type="datetimeFigureOut">
               <a:rPr lang="en-US" smtClean="0"/>
-              <a:t>8/29/2020</a:t>
+              <a:t>10/20/2020</a:t>
             </a:fld>
             <a:endParaRPr lang="en-US"/>
           </a:p>
@@ -2689,7 +2683,7 @@
           <a:p>
             <a:fld id="{F30E232F-A27E-4480-A35A-B196C7FAF203}" type="datetimeFigureOut">
               <a:rPr lang="en-US" smtClean="0"/>
-              <a:t>8/29/2020</a:t>
+              <a:t>10/20/2020</a:t>
             </a:fld>
             <a:endParaRPr lang="en-US"/>
           </a:p>
@@ -2962,7 +2956,7 @@
           <a:p>
             <a:fld id="{F30E232F-A27E-4480-A35A-B196C7FAF203}" type="datetimeFigureOut">
               <a:rPr lang="en-US" smtClean="0"/>
-              <a:t>8/29/2020</a:t>
+              <a:t>10/20/2020</a:t>
             </a:fld>
             <a:endParaRPr lang="en-US"/>
           </a:p>
@@ -3303,7 +3297,7 @@
           <a:p>
             <a:fld id="{F30E232F-A27E-4480-A35A-B196C7FAF203}" type="datetimeFigureOut">
               <a:rPr lang="en-US" smtClean="0"/>
-              <a:t>8/29/2020</a:t>
+              <a:t>10/20/2020</a:t>
             </a:fld>
             <a:endParaRPr lang="en-US"/>
           </a:p>
@@ -3926,7 +3920,7 @@
           <a:p>
             <a:fld id="{F30E232F-A27E-4480-A35A-B196C7FAF203}" type="datetimeFigureOut">
               <a:rPr lang="en-US" smtClean="0"/>
-              <a:t>8/29/2020</a:t>
+              <a:t>10/20/2020</a:t>
             </a:fld>
             <a:endParaRPr lang="en-US"/>
           </a:p>
@@ -4786,7 +4780,7 @@
           <a:p>
             <a:fld id="{F30E232F-A27E-4480-A35A-B196C7FAF203}" type="datetimeFigureOut">
               <a:rPr lang="en-US" smtClean="0"/>
-              <a:t>8/29/2020</a:t>
+              <a:t>10/20/2020</a:t>
             </a:fld>
             <a:endParaRPr lang="en-US"/>
           </a:p>
@@ -4956,7 +4950,7 @@
           <a:p>
             <a:fld id="{F30E232F-A27E-4480-A35A-B196C7FAF203}" type="datetimeFigureOut">
               <a:rPr lang="en-US" smtClean="0"/>
-              <a:t>8/29/2020</a:t>
+              <a:t>10/20/2020</a:t>
             </a:fld>
             <a:endParaRPr lang="en-US"/>
           </a:p>
@@ -5136,7 +5130,7 @@
           <a:p>
             <a:fld id="{F30E232F-A27E-4480-A35A-B196C7FAF203}" type="datetimeFigureOut">
               <a:rPr lang="en-US" smtClean="0"/>
-              <a:t>8/29/2020</a:t>
+              <a:t>10/20/2020</a:t>
             </a:fld>
             <a:endParaRPr lang="en-US"/>
           </a:p>
@@ -5306,7 +5300,7 @@
           <a:p>
             <a:fld id="{F30E232F-A27E-4480-A35A-B196C7FAF203}" type="datetimeFigureOut">
               <a:rPr lang="en-US" smtClean="0"/>
-              <a:t>8/29/2020</a:t>
+              <a:t>10/20/2020</a:t>
             </a:fld>
             <a:endParaRPr lang="en-US"/>
           </a:p>
@@ -5553,7 +5547,7 @@
           <a:p>
             <a:fld id="{F30E232F-A27E-4480-A35A-B196C7FAF203}" type="datetimeFigureOut">
               <a:rPr lang="en-US" smtClean="0"/>
-              <a:t>8/29/2020</a:t>
+              <a:t>10/20/2020</a:t>
             </a:fld>
             <a:endParaRPr lang="en-US"/>
           </a:p>
@@ -5845,7 +5839,7 @@
           <a:p>
             <a:fld id="{F30E232F-A27E-4480-A35A-B196C7FAF203}" type="datetimeFigureOut">
               <a:rPr lang="en-US" smtClean="0"/>
-              <a:t>8/29/2020</a:t>
+              <a:t>10/20/2020</a:t>
             </a:fld>
             <a:endParaRPr lang="en-US"/>
           </a:p>
@@ -6289,7 +6283,7 @@
           <a:p>
             <a:fld id="{F30E232F-A27E-4480-A35A-B196C7FAF203}" type="datetimeFigureOut">
               <a:rPr lang="en-US" smtClean="0"/>
-              <a:t>8/29/2020</a:t>
+              <a:t>10/20/2020</a:t>
             </a:fld>
             <a:endParaRPr lang="en-US"/>
           </a:p>
@@ -6407,7 +6401,7 @@
           <a:p>
             <a:fld id="{F30E232F-A27E-4480-A35A-B196C7FAF203}" type="datetimeFigureOut">
               <a:rPr lang="en-US" smtClean="0"/>
-              <a:t>8/29/2020</a:t>
+              <a:t>10/20/2020</a:t>
             </a:fld>
             <a:endParaRPr lang="en-US"/>
           </a:p>
@@ -6502,7 +6496,7 @@
           <a:p>
             <a:fld id="{F30E232F-A27E-4480-A35A-B196C7FAF203}" type="datetimeFigureOut">
               <a:rPr lang="en-US" smtClean="0"/>
-              <a:t>8/29/2020</a:t>
+              <a:t>10/20/2020</a:t>
             </a:fld>
             <a:endParaRPr lang="en-US"/>
           </a:p>
@@ -6781,7 +6775,7 @@
           <a:p>
             <a:fld id="{F30E232F-A27E-4480-A35A-B196C7FAF203}" type="datetimeFigureOut">
               <a:rPr lang="en-US" smtClean="0"/>
-              <a:t>8/29/2020</a:t>
+              <a:t>10/20/2020</a:t>
             </a:fld>
             <a:endParaRPr lang="en-US"/>
           </a:p>
@@ -7056,7 +7050,7 @@
           <a:p>
             <a:fld id="{F30E232F-A27E-4480-A35A-B196C7FAF203}" type="datetimeFigureOut">
               <a:rPr lang="en-US" smtClean="0"/>
-              <a:t>8/29/2020</a:t>
+              <a:t>10/20/2020</a:t>
             </a:fld>
             <a:endParaRPr lang="en-US"/>
           </a:p>
@@ -7485,7 +7479,7 @@
           <a:p>
             <a:fld id="{F30E232F-A27E-4480-A35A-B196C7FAF203}" type="datetimeFigureOut">
               <a:rPr lang="en-US" smtClean="0"/>
-              <a:t>8/29/2020</a:t>
+              <a:t>10/20/2020</a:t>
             </a:fld>
             <a:endParaRPr lang="en-US"/>
           </a:p>
@@ -9524,7 +9518,7 @@
         </p:spPr>
         <p:txBody>
           <a:bodyPr>
-            <a:normAutofit fontScale="85000" lnSpcReduction="20000"/>
+            <a:normAutofit fontScale="55000" lnSpcReduction="20000"/>
           </a:bodyPr>
           <a:lstStyle/>
           <a:p>
@@ -9587,11 +9581,28 @@
             </a:pPr>
             <a:r>
               <a:rPr lang="en-US" b="1" dirty="0" smtClean="0"/>
-              <a:t>RECOMMENDER </a:t>
+              <a:t>RECOMMENDER SYSTEMS</a:t>
+            </a:r>
+          </a:p>
+          <a:p>
+            <a:pPr marL="457200" indent="-457200">
+              <a:buFont typeface="+mj-lt"/>
+              <a:buAutoNum type="arabicPeriod"/>
+            </a:pPr>
+            <a:endParaRPr lang="en-US" b="1" dirty="0" smtClean="0"/>
+          </a:p>
+          <a:p>
+            <a:pPr marL="457200" indent="-457200">
+              <a:buFont typeface="+mj-lt"/>
+              <a:buAutoNum type="arabicPeriod"/>
+            </a:pPr>
+            <a:r>
+              <a:rPr lang="en-US" b="1" dirty="0" smtClean="0"/>
+              <a:t>ANAMOLY DETECTION</a:t>
             </a:r>
             <a:r>
               <a:rPr lang="en-US" b="1" dirty="0"/>
-              <a:t>SYSTEMS</a:t>
+              <a:t/>
             </a:r>
             <a:br>
               <a:rPr lang="en-US" b="1" dirty="0"/>
